--- a/slides/18-dictionaries.pptx
+++ b/slides/18-dictionaries.pptx
@@ -5,29 +5,30 @@
     <p:sldMasterId id="2147483852" r:id="rId1"/>
   </p:sldMasterIdLst>
   <p:notesMasterIdLst>
-    <p:notesMasterId r:id="rId22"/>
+    <p:notesMasterId r:id="rId23"/>
   </p:notesMasterIdLst>
   <p:sldIdLst>
     <p:sldId id="256" r:id="rId2"/>
     <p:sldId id="257" r:id="rId3"/>
-    <p:sldId id="347" r:id="rId4"/>
-    <p:sldId id="404" r:id="rId5"/>
-    <p:sldId id="375" r:id="rId6"/>
-    <p:sldId id="405" r:id="rId7"/>
-    <p:sldId id="374" r:id="rId8"/>
-    <p:sldId id="376" r:id="rId9"/>
-    <p:sldId id="377" r:id="rId10"/>
-    <p:sldId id="401" r:id="rId11"/>
-    <p:sldId id="402" r:id="rId12"/>
-    <p:sldId id="403" r:id="rId13"/>
-    <p:sldId id="378" r:id="rId14"/>
-    <p:sldId id="380" r:id="rId15"/>
-    <p:sldId id="381" r:id="rId16"/>
-    <p:sldId id="389" r:id="rId17"/>
-    <p:sldId id="390" r:id="rId18"/>
-    <p:sldId id="383" r:id="rId19"/>
-    <p:sldId id="384" r:id="rId20"/>
-    <p:sldId id="406" r:id="rId21"/>
+    <p:sldId id="407" r:id="rId4"/>
+    <p:sldId id="347" r:id="rId5"/>
+    <p:sldId id="404" r:id="rId6"/>
+    <p:sldId id="375" r:id="rId7"/>
+    <p:sldId id="405" r:id="rId8"/>
+    <p:sldId id="374" r:id="rId9"/>
+    <p:sldId id="376" r:id="rId10"/>
+    <p:sldId id="377" r:id="rId11"/>
+    <p:sldId id="401" r:id="rId12"/>
+    <p:sldId id="402" r:id="rId13"/>
+    <p:sldId id="403" r:id="rId14"/>
+    <p:sldId id="378" r:id="rId15"/>
+    <p:sldId id="380" r:id="rId16"/>
+    <p:sldId id="381" r:id="rId17"/>
+    <p:sldId id="389" r:id="rId18"/>
+    <p:sldId id="390" r:id="rId19"/>
+    <p:sldId id="383" r:id="rId20"/>
+    <p:sldId id="384" r:id="rId21"/>
+    <p:sldId id="406" r:id="rId22"/>
   </p:sldIdLst>
   <p:sldSz cx="12192000" cy="6858000"/>
   <p:notesSz cx="6858000" cy="9144000"/>
@@ -216,7 +217,7 @@
           <a:p>
             <a:fld id="{3CBB8A52-8AC5-C74C-97FB-632C448F3674}" type="datetimeFigureOut">
               <a:rPr lang="en-US" smtClean="0"/>
-              <a:t>10/12/23</a:t>
+              <a:t>2/26/24</a:t>
             </a:fld>
             <a:endParaRPr lang="en-US"/>
           </a:p>
@@ -548,7 +549,7 @@
           <a:p>
             <a:fld id="{77F12483-E947-6F4E-A75E-B2E677827779}" type="slidenum">
               <a:rPr lang="en-US" smtClean="0"/>
-              <a:t>5</a:t>
+              <a:t>6</a:t>
             </a:fld>
             <a:endParaRPr lang="en-US"/>
           </a:p>
@@ -632,7 +633,7 @@
           <a:p>
             <a:fld id="{77F12483-E947-6F4E-A75E-B2E677827779}" type="slidenum">
               <a:rPr lang="en-US" smtClean="0"/>
-              <a:t>6</a:t>
+              <a:t>7</a:t>
             </a:fld>
             <a:endParaRPr lang="en-US"/>
           </a:p>
@@ -716,7 +717,7 @@
           <a:p>
             <a:fld id="{77F12483-E947-6F4E-A75E-B2E677827779}" type="slidenum">
               <a:rPr lang="en-US" smtClean="0"/>
-              <a:t>18</a:t>
+              <a:t>19</a:t>
             </a:fld>
             <a:endParaRPr lang="en-US"/>
           </a:p>
@@ -960,7 +961,7 @@
             <a:fld id="{5586B75A-687E-405C-8A0B-8D00578BA2C3}" type="datetimeFigureOut">
               <a:rPr lang="en-US" smtClean="0"/>
               <a:pPr/>
-              <a:t>10/12/23</a:t>
+              <a:t>2/26/24</a:t>
             </a:fld>
             <a:endParaRPr lang="en-US" dirty="0"/>
           </a:p>
@@ -1132,7 +1133,7 @@
             <a:fld id="{5586B75A-687E-405C-8A0B-8D00578BA2C3}" type="datetimeFigureOut">
               <a:rPr lang="en-US" smtClean="0"/>
               <a:pPr/>
-              <a:t>10/12/23</a:t>
+              <a:t>2/26/24</a:t>
             </a:fld>
             <a:endParaRPr lang="en-US" dirty="0"/>
           </a:p>
@@ -1314,7 +1315,7 @@
             <a:fld id="{5586B75A-687E-405C-8A0B-8D00578BA2C3}" type="datetimeFigureOut">
               <a:rPr lang="en-US" smtClean="0"/>
               <a:pPr/>
-              <a:t>10/12/23</a:t>
+              <a:t>2/26/24</a:t>
             </a:fld>
             <a:endParaRPr lang="en-US" dirty="0"/>
           </a:p>
@@ -1486,7 +1487,7 @@
             <a:fld id="{5586B75A-687E-405C-8A0B-8D00578BA2C3}" type="datetimeFigureOut">
               <a:rPr lang="en-US" smtClean="0"/>
               <a:pPr/>
-              <a:t>10/12/23</a:t>
+              <a:t>2/26/24</a:t>
             </a:fld>
             <a:endParaRPr lang="en-US" dirty="0"/>
           </a:p>
@@ -1742,7 +1743,7 @@
             <a:fld id="{5586B75A-687E-405C-8A0B-8D00578BA2C3}" type="datetimeFigureOut">
               <a:rPr lang="en-US" smtClean="0"/>
               <a:pPr/>
-              <a:t>10/12/23</a:t>
+              <a:t>2/26/24</a:t>
             </a:fld>
             <a:endParaRPr lang="en-US" dirty="0"/>
           </a:p>
@@ -2032,7 +2033,7 @@
             <a:fld id="{5586B75A-687E-405C-8A0B-8D00578BA2C3}" type="datetimeFigureOut">
               <a:rPr lang="en-US" smtClean="0"/>
               <a:pPr/>
-              <a:t>10/12/23</a:t>
+              <a:t>2/26/24</a:t>
             </a:fld>
             <a:endParaRPr lang="en-US" dirty="0"/>
           </a:p>
@@ -2476,7 +2477,7 @@
             <a:fld id="{5586B75A-687E-405C-8A0B-8D00578BA2C3}" type="datetimeFigureOut">
               <a:rPr lang="en-US" smtClean="0"/>
               <a:pPr/>
-              <a:t>10/12/23</a:t>
+              <a:t>2/26/24</a:t>
             </a:fld>
             <a:endParaRPr lang="en-US" dirty="0"/>
           </a:p>
@@ -2596,7 +2597,7 @@
             <a:fld id="{5586B75A-687E-405C-8A0B-8D00578BA2C3}" type="datetimeFigureOut">
               <a:rPr lang="en-US" smtClean="0"/>
               <a:pPr/>
-              <a:t>10/12/23</a:t>
+              <a:t>2/26/24</a:t>
             </a:fld>
             <a:endParaRPr lang="en-US" dirty="0"/>
           </a:p>
@@ -2693,7 +2694,7 @@
             <a:fld id="{5586B75A-687E-405C-8A0B-8D00578BA2C3}" type="datetimeFigureOut">
               <a:rPr lang="en-US" smtClean="0"/>
               <a:pPr/>
-              <a:t>10/12/23</a:t>
+              <a:t>2/26/24</a:t>
             </a:fld>
             <a:endParaRPr lang="en-US" dirty="0"/>
           </a:p>
@@ -2983,7 +2984,7 @@
             <a:fld id="{5586B75A-687E-405C-8A0B-8D00578BA2C3}" type="datetimeFigureOut">
               <a:rPr lang="en-US" smtClean="0"/>
               <a:pPr/>
-              <a:t>10/12/23</a:t>
+              <a:t>2/26/24</a:t>
             </a:fld>
             <a:endParaRPr lang="en-US" dirty="0"/>
           </a:p>
@@ -3258,7 +3259,7 @@
             <a:fld id="{5586B75A-687E-405C-8A0B-8D00578BA2C3}" type="datetimeFigureOut">
               <a:rPr lang="en-US" smtClean="0"/>
               <a:pPr/>
-              <a:t>10/12/23</a:t>
+              <a:t>2/26/24</a:t>
             </a:fld>
             <a:endParaRPr lang="en-US" dirty="0"/>
           </a:p>
@@ -3557,7 +3558,7 @@
             <a:fld id="{5586B75A-687E-405C-8A0B-8D00578BA2C3}" type="datetimeFigureOut">
               <a:rPr lang="en-US" smtClean="0"/>
               <a:pPr/>
-              <a:t>10/12/23</a:t>
+              <a:t>2/26/24</a:t>
             </a:fld>
             <a:endParaRPr lang="en-US" dirty="0"/>
           </a:p>
@@ -4060,19 +4061,14 @@
         <p:spPr/>
         <p:txBody>
           <a:bodyPr>
-            <a:normAutofit fontScale="90000"/>
+            <a:normAutofit/>
           </a:bodyPr>
           <a:lstStyle/>
           <a:p>
             <a:r>
               <a:rPr lang="en-US" dirty="0"/>
-              <a:t>Why Does My Computer Do That? Intro to Coding with Python</a:t>
-            </a:r>
-            <a:r>
-              <a:rPr lang="en-US"/>
-              <a:t>– Dictionaries</a:t>
-            </a:r>
-            <a:endParaRPr lang="en-US" dirty="0"/>
+              <a:t>Intro to Coding with Python– Dictionaries</a:t>
+            </a:r>
           </a:p>
         </p:txBody>
       </p:sp>
@@ -4163,6 +4159,94 @@
 </file>
 
 <file path=ppt/slides/slide10.xml><?xml version="1.0" encoding="utf-8"?>
+<p:sld xmlns:a="http://schemas.openxmlformats.org/drawingml/2006/main" xmlns:r="http://schemas.openxmlformats.org/officeDocument/2006/relationships" xmlns:p="http://schemas.openxmlformats.org/presentationml/2006/main">
+  <p:cSld>
+    <p:spTree>
+      <p:nvGrpSpPr>
+        <p:cNvPr id="1" name=""/>
+        <p:cNvGrpSpPr/>
+        <p:nvPr/>
+      </p:nvGrpSpPr>
+      <p:grpSpPr>
+        <a:xfrm>
+          <a:off x="0" y="0"/>
+          <a:ext cx="0" cy="0"/>
+          <a:chOff x="0" y="0"/>
+          <a:chExt cx="0" cy="0"/>
+        </a:xfrm>
+      </p:grpSpPr>
+      <p:sp>
+        <p:nvSpPr>
+          <p:cNvPr id="2" name="Title 1">
+            <a:extLst>
+              <a:ext uri="{FF2B5EF4-FFF2-40B4-BE49-F238E27FC236}">
+                <a16:creationId xmlns:a16="http://schemas.microsoft.com/office/drawing/2014/main" id="{A78A4EB1-1ED4-8548-B5D4-FDE42C6F2038}"/>
+              </a:ext>
+            </a:extLst>
+          </p:cNvPr>
+          <p:cNvSpPr>
+            <a:spLocks noGrp="1"/>
+          </p:cNvSpPr>
+          <p:nvPr>
+            <p:ph type="title"/>
+          </p:nvPr>
+        </p:nvSpPr>
+        <p:spPr/>
+        <p:txBody>
+          <a:bodyPr/>
+          <a:lstStyle/>
+          <a:p>
+            <a:r>
+              <a:rPr lang="en-US" dirty="0"/>
+              <a:t>Contacts: take 2</a:t>
+            </a:r>
+          </a:p>
+        </p:txBody>
+      </p:sp>
+      <p:pic>
+        <p:nvPicPr>
+          <p:cNvPr id="8" name="Content Placeholder 4">
+            <a:extLst>
+              <a:ext uri="{FF2B5EF4-FFF2-40B4-BE49-F238E27FC236}">
+                <a16:creationId xmlns:a16="http://schemas.microsoft.com/office/drawing/2014/main" id="{4BE22C47-ADCB-B94A-8960-24193A78CFE1}"/>
+              </a:ext>
+            </a:extLst>
+          </p:cNvPr>
+          <p:cNvPicPr>
+            <a:picLocks noChangeAspect="1"/>
+          </p:cNvPicPr>
+          <p:nvPr/>
+        </p:nvPicPr>
+        <p:blipFill>
+          <a:blip r:embed="rId2"/>
+          <a:stretch>
+            <a:fillRect/>
+          </a:stretch>
+        </p:blipFill>
+        <p:spPr>
+          <a:xfrm>
+            <a:off x="3902596" y="591959"/>
+            <a:ext cx="7130008" cy="5664938"/>
+          </a:xfrm>
+          <a:prstGeom prst="rect">
+            <a:avLst/>
+          </a:prstGeom>
+        </p:spPr>
+      </p:pic>
+    </p:spTree>
+    <p:extLst>
+      <p:ext uri="{BB962C8B-B14F-4D97-AF65-F5344CB8AC3E}">
+        <p14:creationId xmlns:p14="http://schemas.microsoft.com/office/powerpoint/2010/main" val="1161279662"/>
+      </p:ext>
+    </p:extLst>
+  </p:cSld>
+  <p:clrMapOvr>
+    <a:masterClrMapping/>
+  </p:clrMapOvr>
+</p:sld>
+</file>
+
+<file path=ppt/slides/slide11.xml><?xml version="1.0" encoding="utf-8"?>
 <p:sld xmlns:a="http://schemas.openxmlformats.org/drawingml/2006/main" xmlns:r="http://schemas.openxmlformats.org/officeDocument/2006/relationships" xmlns:p="http://schemas.openxmlformats.org/presentationml/2006/main">
   <p:cSld>
     <p:spTree>
@@ -4310,7 +4394,7 @@
 </p:sld>
 </file>
 
-<file path=ppt/slides/slide11.xml><?xml version="1.0" encoding="utf-8"?>
+<file path=ppt/slides/slide12.xml><?xml version="1.0" encoding="utf-8"?>
 <p:sld xmlns:a="http://schemas.openxmlformats.org/drawingml/2006/main" xmlns:r="http://schemas.openxmlformats.org/officeDocument/2006/relationships" xmlns:p="http://schemas.openxmlformats.org/presentationml/2006/main">
   <p:cSld>
     <p:spTree>
@@ -4458,7 +4542,7 @@
 </p:sld>
 </file>
 
-<file path=ppt/slides/slide12.xml><?xml version="1.0" encoding="utf-8"?>
+<file path=ppt/slides/slide13.xml><?xml version="1.0" encoding="utf-8"?>
 <p:sld xmlns:a="http://schemas.openxmlformats.org/drawingml/2006/main" xmlns:r="http://schemas.openxmlformats.org/officeDocument/2006/relationships" xmlns:p="http://schemas.openxmlformats.org/presentationml/2006/main">
   <p:cSld>
     <p:spTree>
@@ -4606,7 +4690,7 @@
 </p:sld>
 </file>
 
-<file path=ppt/slides/slide13.xml><?xml version="1.0" encoding="utf-8"?>
+<file path=ppt/slides/slide14.xml><?xml version="1.0" encoding="utf-8"?>
 <p:sld xmlns:a="http://schemas.openxmlformats.org/drawingml/2006/main" xmlns:r="http://schemas.openxmlformats.org/officeDocument/2006/relationships" xmlns:p="http://schemas.openxmlformats.org/presentationml/2006/main">
   <p:cSld>
     <p:spTree>
@@ -4749,7 +4833,7 @@
 </p:sld>
 </file>
 
-<file path=ppt/slides/slide14.xml><?xml version="1.0" encoding="utf-8"?>
+<file path=ppt/slides/slide15.xml><?xml version="1.0" encoding="utf-8"?>
 <p:sld xmlns:a="http://schemas.openxmlformats.org/drawingml/2006/main" xmlns:r="http://schemas.openxmlformats.org/officeDocument/2006/relationships" xmlns:p="http://schemas.openxmlformats.org/presentationml/2006/main">
   <p:cSld>
     <p:spTree>
@@ -4942,7 +5026,7 @@
 </p:sld>
 </file>
 
-<file path=ppt/slides/slide15.xml><?xml version="1.0" encoding="utf-8"?>
+<file path=ppt/slides/slide16.xml><?xml version="1.0" encoding="utf-8"?>
 <p:sld xmlns:a="http://schemas.openxmlformats.org/drawingml/2006/main" xmlns:r="http://schemas.openxmlformats.org/officeDocument/2006/relationships" xmlns:p="http://schemas.openxmlformats.org/presentationml/2006/main">
   <p:cSld>
     <p:spTree>
@@ -5145,7 +5229,7 @@
 </p:sld>
 </file>
 
-<file path=ppt/slides/slide16.xml><?xml version="1.0" encoding="utf-8"?>
+<file path=ppt/slides/slide17.xml><?xml version="1.0" encoding="utf-8"?>
 <p:sld xmlns:a="http://schemas.openxmlformats.org/drawingml/2006/main" xmlns:r="http://schemas.openxmlformats.org/officeDocument/2006/relationships" xmlns:p="http://schemas.openxmlformats.org/presentationml/2006/main">
   <p:cSld>
     <p:spTree>
@@ -5348,7 +5432,7 @@
 </p:sld>
 </file>
 
-<file path=ppt/slides/slide17.xml><?xml version="1.0" encoding="utf-8"?>
+<file path=ppt/slides/slide18.xml><?xml version="1.0" encoding="utf-8"?>
 <p:sld xmlns:a="http://schemas.openxmlformats.org/drawingml/2006/main" xmlns:r="http://schemas.openxmlformats.org/officeDocument/2006/relationships" xmlns:p="http://schemas.openxmlformats.org/presentationml/2006/main">
   <p:cSld>
     <p:spTree>
@@ -5692,7 +5776,7 @@
 </p:sld>
 </file>
 
-<file path=ppt/slides/slide18.xml><?xml version="1.0" encoding="utf-8"?>
+<file path=ppt/slides/slide19.xml><?xml version="1.0" encoding="utf-8"?>
 <p:sld xmlns:a="http://schemas.openxmlformats.org/drawingml/2006/main" xmlns:r="http://schemas.openxmlformats.org/officeDocument/2006/relationships" xmlns:p="http://schemas.openxmlformats.org/presentationml/2006/main">
   <p:cSld>
     <p:spTree>
@@ -5918,172 +6002,6 @@
 </p:sld>
 </file>
 
-<file path=ppt/slides/slide19.xml><?xml version="1.0" encoding="utf-8"?>
-<p:sld xmlns:a="http://schemas.openxmlformats.org/drawingml/2006/main" xmlns:r="http://schemas.openxmlformats.org/officeDocument/2006/relationships" xmlns:p="http://schemas.openxmlformats.org/presentationml/2006/main">
-  <p:cSld>
-    <p:spTree>
-      <p:nvGrpSpPr>
-        <p:cNvPr id="1" name=""/>
-        <p:cNvGrpSpPr/>
-        <p:nvPr/>
-      </p:nvGrpSpPr>
-      <p:grpSpPr>
-        <a:xfrm>
-          <a:off x="0" y="0"/>
-          <a:ext cx="0" cy="0"/>
-          <a:chOff x="0" y="0"/>
-          <a:chExt cx="0" cy="0"/>
-        </a:xfrm>
-      </p:grpSpPr>
-      <p:sp>
-        <p:nvSpPr>
-          <p:cNvPr id="2" name="Title 1">
-            <a:extLst>
-              <a:ext uri="{FF2B5EF4-FFF2-40B4-BE49-F238E27FC236}">
-                <a16:creationId xmlns:a16="http://schemas.microsoft.com/office/drawing/2014/main" id="{CC4E6862-3316-B845-A666-EFC3B47122E7}"/>
-              </a:ext>
-            </a:extLst>
-          </p:cNvPr>
-          <p:cNvSpPr>
-            <a:spLocks noGrp="1"/>
-          </p:cNvSpPr>
-          <p:nvPr>
-            <p:ph type="title"/>
-          </p:nvPr>
-        </p:nvSpPr>
-        <p:spPr/>
-        <p:txBody>
-          <a:bodyPr/>
-          <a:lstStyle/>
-          <a:p>
-            <a:r>
-              <a:rPr lang="en-US" dirty="0"/>
-              <a:t>Recap</a:t>
-            </a:r>
-          </a:p>
-        </p:txBody>
-      </p:sp>
-      <p:sp>
-        <p:nvSpPr>
-          <p:cNvPr id="3" name="Content Placeholder 2">
-            <a:extLst>
-              <a:ext uri="{FF2B5EF4-FFF2-40B4-BE49-F238E27FC236}">
-                <a16:creationId xmlns:a16="http://schemas.microsoft.com/office/drawing/2014/main" id="{73B2D240-5DA0-CA4E-8F53-7C047EB8FBB1}"/>
-              </a:ext>
-            </a:extLst>
-          </p:cNvPr>
-          <p:cNvSpPr>
-            <a:spLocks noGrp="1"/>
-          </p:cNvSpPr>
-          <p:nvPr>
-            <p:ph idx="1"/>
-          </p:nvPr>
-        </p:nvSpPr>
-        <p:spPr/>
-        <p:txBody>
-          <a:bodyPr>
-            <a:normAutofit/>
-          </a:bodyPr>
-          <a:lstStyle/>
-          <a:p>
-            <a:r>
-              <a:rPr lang="en-US" sz="2400" b="1" dirty="0">
-                <a:latin typeface="Courier" pitchFamily="2" charset="0"/>
-              </a:rPr>
-              <a:t>strings</a:t>
-            </a:r>
-            <a:r>
-              <a:rPr lang="en-US" sz="2400" dirty="0"/>
-              <a:t>: </a:t>
-            </a:r>
-            <a:r>
-              <a:rPr lang="en-US" sz="2400" dirty="0">
-                <a:effectLst>
-                  <a:glow rad="101600">
-                    <a:srgbClr val="FFC000">
-                      <a:alpha val="60000"/>
-                    </a:srgbClr>
-                  </a:glow>
-                </a:effectLst>
-              </a:rPr>
-              <a:t>immutable</a:t>
-            </a:r>
-            <a:r>
-              <a:rPr lang="en-US" sz="2400" dirty="0"/>
-              <a:t> ordered collections of characters</a:t>
-            </a:r>
-          </a:p>
-          <a:p>
-            <a:r>
-              <a:rPr lang="en-US" sz="2400" b="1" dirty="0">
-                <a:latin typeface="Courier" pitchFamily="2" charset="0"/>
-              </a:rPr>
-              <a:t>lists</a:t>
-            </a:r>
-            <a:r>
-              <a:rPr lang="en-US" sz="2400" dirty="0"/>
-              <a:t>: </a:t>
-            </a:r>
-            <a:r>
-              <a:rPr lang="en-US" sz="2400" dirty="0">
-                <a:effectLst>
-                  <a:glow rad="101600">
-                    <a:srgbClr val="FFC000">
-                      <a:alpha val="60000"/>
-                    </a:srgbClr>
-                  </a:glow>
-                </a:effectLst>
-              </a:rPr>
-              <a:t>mutable</a:t>
-            </a:r>
-            <a:r>
-              <a:rPr lang="en-US" sz="2400" dirty="0"/>
-              <a:t> ordered collections of objects</a:t>
-            </a:r>
-          </a:p>
-          <a:p>
-            <a:r>
-              <a:rPr lang="en-US" sz="2400" b="1" dirty="0">
-                <a:latin typeface="Courier" pitchFamily="2" charset="0"/>
-              </a:rPr>
-              <a:t>dictionaries</a:t>
-            </a:r>
-            <a:r>
-              <a:rPr lang="en-US" sz="2400" dirty="0"/>
-              <a:t>: </a:t>
-            </a:r>
-            <a:r>
-              <a:rPr lang="en-US" sz="2400" dirty="0">
-                <a:effectLst>
-                  <a:glow rad="101600">
-                    <a:srgbClr val="FFC000">
-                      <a:alpha val="60000"/>
-                    </a:srgbClr>
-                  </a:glow>
-                </a:effectLst>
-              </a:rPr>
-              <a:t>mutable</a:t>
-            </a:r>
-            <a:r>
-              <a:rPr lang="en-US" sz="2400" dirty="0"/>
-              <a:t> unordered collections of objects</a:t>
-            </a:r>
-          </a:p>
-        </p:txBody>
-      </p:sp>
-    </p:spTree>
-    <p:extLst>
-      <p:ext uri="{BB962C8B-B14F-4D97-AF65-F5344CB8AC3E}">
-        <p14:creationId xmlns:p14="http://schemas.microsoft.com/office/powerpoint/2010/main" val="1980581150"/>
-      </p:ext>
-    </p:extLst>
-  </p:cSld>
-  <p:clrMapOvr>
-    <a:masterClrMapping/>
-  </p:clrMapOvr>
-</p:sld>
-</file>
-
 <file path=ppt/slides/slide2.xml><?xml version="1.0" encoding="utf-8"?>
 <p:sld xmlns:a="http://schemas.openxmlformats.org/drawingml/2006/main" xmlns:r="http://schemas.openxmlformats.org/officeDocument/2006/relationships" xmlns:p="http://schemas.openxmlformats.org/presentationml/2006/main">
   <p:cSld>
@@ -6124,7 +6042,7 @@
           <a:p>
             <a:r>
               <a:rPr lang="en-US" dirty="0"/>
-              <a:t>Plan for Today</a:t>
+              <a:t>Friday</a:t>
             </a:r>
           </a:p>
         </p:txBody>
@@ -6154,35 +6072,15 @@
           <a:p>
             <a:r>
               <a:rPr lang="en-US" sz="2800" dirty="0"/>
-              <a:t>Dictionaries</a:t>
-            </a:r>
-          </a:p>
-          <a:p>
-            <a:pPr lvl="1"/>
-            <a:r>
-              <a:rPr lang="en-US" sz="2400" dirty="0"/>
-              <a:t>motivation</a:t>
-            </a:r>
-          </a:p>
-          <a:p>
-            <a:pPr lvl="1"/>
-            <a:r>
-              <a:rPr lang="en-US" sz="2400" dirty="0"/>
-              <a:t>defining a dictionary</a:t>
-            </a:r>
-          </a:p>
-          <a:p>
-            <a:pPr lvl="1"/>
-            <a:r>
-              <a:rPr lang="en-US" sz="2400" dirty="0"/>
-              <a:t>converting multiple lists </a:t>
-            </a:r>
-            <a:r>
-              <a:rPr lang="en-US" sz="2400" dirty="0">
-                <a:sym typeface="Wingdings" pitchFamily="2" charset="2"/>
-              </a:rPr>
-              <a:t> dictionaries</a:t>
-            </a:r>
+              <a:t>No class this Friday – </a:t>
+            </a:r>
+            <a:r>
+              <a:rPr lang="en-US" sz="2800"/>
+              <a:t>review material </a:t>
+            </a:r>
+            <a:endParaRPr lang="en-US" sz="2400" dirty="0">
+              <a:sym typeface="Wingdings" pitchFamily="2" charset="2"/>
+            </a:endParaRPr>
           </a:p>
         </p:txBody>
       </p:sp>
@@ -6221,6 +6119,172 @@
           <p:cNvPr id="2" name="Title 1">
             <a:extLst>
               <a:ext uri="{FF2B5EF4-FFF2-40B4-BE49-F238E27FC236}">
+                <a16:creationId xmlns:a16="http://schemas.microsoft.com/office/drawing/2014/main" id="{CC4E6862-3316-B845-A666-EFC3B47122E7}"/>
+              </a:ext>
+            </a:extLst>
+          </p:cNvPr>
+          <p:cNvSpPr>
+            <a:spLocks noGrp="1"/>
+          </p:cNvSpPr>
+          <p:nvPr>
+            <p:ph type="title"/>
+          </p:nvPr>
+        </p:nvSpPr>
+        <p:spPr/>
+        <p:txBody>
+          <a:bodyPr/>
+          <a:lstStyle/>
+          <a:p>
+            <a:r>
+              <a:rPr lang="en-US" dirty="0"/>
+              <a:t>Recap</a:t>
+            </a:r>
+          </a:p>
+        </p:txBody>
+      </p:sp>
+      <p:sp>
+        <p:nvSpPr>
+          <p:cNvPr id="3" name="Content Placeholder 2">
+            <a:extLst>
+              <a:ext uri="{FF2B5EF4-FFF2-40B4-BE49-F238E27FC236}">
+                <a16:creationId xmlns:a16="http://schemas.microsoft.com/office/drawing/2014/main" id="{73B2D240-5DA0-CA4E-8F53-7C047EB8FBB1}"/>
+              </a:ext>
+            </a:extLst>
+          </p:cNvPr>
+          <p:cNvSpPr>
+            <a:spLocks noGrp="1"/>
+          </p:cNvSpPr>
+          <p:nvPr>
+            <p:ph idx="1"/>
+          </p:nvPr>
+        </p:nvSpPr>
+        <p:spPr/>
+        <p:txBody>
+          <a:bodyPr>
+            <a:normAutofit/>
+          </a:bodyPr>
+          <a:lstStyle/>
+          <a:p>
+            <a:r>
+              <a:rPr lang="en-US" sz="2400" b="1" dirty="0">
+                <a:latin typeface="Courier" pitchFamily="2" charset="0"/>
+              </a:rPr>
+              <a:t>strings</a:t>
+            </a:r>
+            <a:r>
+              <a:rPr lang="en-US" sz="2400" dirty="0"/>
+              <a:t>: </a:t>
+            </a:r>
+            <a:r>
+              <a:rPr lang="en-US" sz="2400" dirty="0">
+                <a:effectLst>
+                  <a:glow rad="101600">
+                    <a:srgbClr val="FFC000">
+                      <a:alpha val="60000"/>
+                    </a:srgbClr>
+                  </a:glow>
+                </a:effectLst>
+              </a:rPr>
+              <a:t>immutable</a:t>
+            </a:r>
+            <a:r>
+              <a:rPr lang="en-US" sz="2400" dirty="0"/>
+              <a:t> ordered collections of characters</a:t>
+            </a:r>
+          </a:p>
+          <a:p>
+            <a:r>
+              <a:rPr lang="en-US" sz="2400" b="1" dirty="0">
+                <a:latin typeface="Courier" pitchFamily="2" charset="0"/>
+              </a:rPr>
+              <a:t>lists</a:t>
+            </a:r>
+            <a:r>
+              <a:rPr lang="en-US" sz="2400" dirty="0"/>
+              <a:t>: </a:t>
+            </a:r>
+            <a:r>
+              <a:rPr lang="en-US" sz="2400" dirty="0">
+                <a:effectLst>
+                  <a:glow rad="101600">
+                    <a:srgbClr val="FFC000">
+                      <a:alpha val="60000"/>
+                    </a:srgbClr>
+                  </a:glow>
+                </a:effectLst>
+              </a:rPr>
+              <a:t>mutable</a:t>
+            </a:r>
+            <a:r>
+              <a:rPr lang="en-US" sz="2400" dirty="0"/>
+              <a:t> ordered collections of objects</a:t>
+            </a:r>
+          </a:p>
+          <a:p>
+            <a:r>
+              <a:rPr lang="en-US" sz="2400" b="1" dirty="0">
+                <a:latin typeface="Courier" pitchFamily="2" charset="0"/>
+              </a:rPr>
+              <a:t>dictionaries</a:t>
+            </a:r>
+            <a:r>
+              <a:rPr lang="en-US" sz="2400" dirty="0"/>
+              <a:t>: </a:t>
+            </a:r>
+            <a:r>
+              <a:rPr lang="en-US" sz="2400" dirty="0">
+                <a:effectLst>
+                  <a:glow rad="101600">
+                    <a:srgbClr val="FFC000">
+                      <a:alpha val="60000"/>
+                    </a:srgbClr>
+                  </a:glow>
+                </a:effectLst>
+              </a:rPr>
+              <a:t>mutable</a:t>
+            </a:r>
+            <a:r>
+              <a:rPr lang="en-US" sz="2400" dirty="0"/>
+              <a:t> unordered collections of objects</a:t>
+            </a:r>
+          </a:p>
+        </p:txBody>
+      </p:sp>
+    </p:spTree>
+    <p:extLst>
+      <p:ext uri="{BB962C8B-B14F-4D97-AF65-F5344CB8AC3E}">
+        <p14:creationId xmlns:p14="http://schemas.microsoft.com/office/powerpoint/2010/main" val="1980581150"/>
+      </p:ext>
+    </p:extLst>
+  </p:cSld>
+  <p:clrMapOvr>
+    <a:masterClrMapping/>
+  </p:clrMapOvr>
+</p:sld>
+</file>
+
+<file path=ppt/slides/slide21.xml><?xml version="1.0" encoding="utf-8"?>
+<p:sld xmlns:a="http://schemas.openxmlformats.org/drawingml/2006/main" xmlns:r="http://schemas.openxmlformats.org/officeDocument/2006/relationships" xmlns:p="http://schemas.openxmlformats.org/presentationml/2006/main">
+  <p:cSld>
+    <p:spTree>
+      <p:nvGrpSpPr>
+        <p:cNvPr id="1" name=""/>
+        <p:cNvGrpSpPr/>
+        <p:nvPr/>
+      </p:nvGrpSpPr>
+      <p:grpSpPr>
+        <a:xfrm>
+          <a:off x="0" y="0"/>
+          <a:ext cx="0" cy="0"/>
+          <a:chOff x="0" y="0"/>
+          <a:chExt cx="0" cy="0"/>
+        </a:xfrm>
+      </p:grpSpPr>
+      <p:sp>
+        <p:nvSpPr>
+          <p:cNvPr id="2" name="Title 1">
+            <a:extLst>
+              <a:ext uri="{FF2B5EF4-FFF2-40B4-BE49-F238E27FC236}">
                 <a16:creationId xmlns:a16="http://schemas.microsoft.com/office/drawing/2014/main" id="{C1105EDD-AEEF-C2C6-4C79-7640DB7AEF85}"/>
               </a:ext>
             </a:extLst>
@@ -6356,6 +6420,121 @@
           <p:cNvPr id="2" name="Title 1">
             <a:extLst>
               <a:ext uri="{FF2B5EF4-FFF2-40B4-BE49-F238E27FC236}">
+                <a16:creationId xmlns:a16="http://schemas.microsoft.com/office/drawing/2014/main" id="{10D330C2-52A4-1ABA-980B-56FBC97F350C}"/>
+              </a:ext>
+            </a:extLst>
+          </p:cNvPr>
+          <p:cNvSpPr>
+            <a:spLocks noGrp="1"/>
+          </p:cNvSpPr>
+          <p:nvPr>
+            <p:ph type="title"/>
+          </p:nvPr>
+        </p:nvSpPr>
+        <p:spPr/>
+        <p:txBody>
+          <a:bodyPr/>
+          <a:lstStyle/>
+          <a:p>
+            <a:r>
+              <a:rPr lang="en-US" dirty="0"/>
+              <a:t>Plan for Today</a:t>
+            </a:r>
+          </a:p>
+        </p:txBody>
+      </p:sp>
+      <p:sp>
+        <p:nvSpPr>
+          <p:cNvPr id="3" name="Content Placeholder 2">
+            <a:extLst>
+              <a:ext uri="{FF2B5EF4-FFF2-40B4-BE49-F238E27FC236}">
+                <a16:creationId xmlns:a16="http://schemas.microsoft.com/office/drawing/2014/main" id="{9EAE50F6-429C-715A-C25C-1C7744AED1CF}"/>
+              </a:ext>
+            </a:extLst>
+          </p:cNvPr>
+          <p:cNvSpPr>
+            <a:spLocks noGrp="1"/>
+          </p:cNvSpPr>
+          <p:nvPr>
+            <p:ph idx="1"/>
+          </p:nvPr>
+        </p:nvSpPr>
+        <p:spPr/>
+        <p:txBody>
+          <a:bodyPr>
+            <a:normAutofit/>
+          </a:bodyPr>
+          <a:lstStyle/>
+          <a:p>
+            <a:r>
+              <a:rPr lang="en-US" sz="2800" dirty="0"/>
+              <a:t>Dictionaries</a:t>
+            </a:r>
+          </a:p>
+          <a:p>
+            <a:pPr lvl="1"/>
+            <a:r>
+              <a:rPr lang="en-US" sz="2400" dirty="0"/>
+              <a:t>motivation</a:t>
+            </a:r>
+          </a:p>
+          <a:p>
+            <a:pPr lvl="1"/>
+            <a:r>
+              <a:rPr lang="en-US" sz="2400" dirty="0"/>
+              <a:t>defining a dictionary</a:t>
+            </a:r>
+          </a:p>
+          <a:p>
+            <a:pPr lvl="1"/>
+            <a:r>
+              <a:rPr lang="en-US" sz="2400" dirty="0"/>
+              <a:t>converting multiple lists </a:t>
+            </a:r>
+            <a:r>
+              <a:rPr lang="en-US" sz="2400" dirty="0">
+                <a:sym typeface="Wingdings" pitchFamily="2" charset="2"/>
+              </a:rPr>
+              <a:t> dictionaries</a:t>
+            </a:r>
+          </a:p>
+        </p:txBody>
+      </p:sp>
+    </p:spTree>
+    <p:extLst>
+      <p:ext uri="{BB962C8B-B14F-4D97-AF65-F5344CB8AC3E}">
+        <p14:creationId xmlns:p14="http://schemas.microsoft.com/office/powerpoint/2010/main" val="331303989"/>
+      </p:ext>
+    </p:extLst>
+  </p:cSld>
+  <p:clrMapOvr>
+    <a:masterClrMapping/>
+  </p:clrMapOvr>
+</p:sld>
+</file>
+
+<file path=ppt/slides/slide4.xml><?xml version="1.0" encoding="utf-8"?>
+<p:sld xmlns:a="http://schemas.openxmlformats.org/drawingml/2006/main" xmlns:r="http://schemas.openxmlformats.org/officeDocument/2006/relationships" xmlns:p="http://schemas.openxmlformats.org/presentationml/2006/main">
+  <p:cSld>
+    <p:spTree>
+      <p:nvGrpSpPr>
+        <p:cNvPr id="1" name=""/>
+        <p:cNvGrpSpPr/>
+        <p:nvPr/>
+      </p:nvGrpSpPr>
+      <p:grpSpPr>
+        <a:xfrm>
+          <a:off x="0" y="0"/>
+          <a:ext cx="0" cy="0"/>
+          <a:chOff x="0" y="0"/>
+          <a:chExt cx="0" cy="0"/>
+        </a:xfrm>
+      </p:grpSpPr>
+      <p:sp>
+        <p:nvSpPr>
+          <p:cNvPr id="2" name="Title 1">
+            <a:extLst>
+              <a:ext uri="{FF2B5EF4-FFF2-40B4-BE49-F238E27FC236}">
                 <a16:creationId xmlns:a16="http://schemas.microsoft.com/office/drawing/2014/main" id="{75B91149-B53C-714F-8CE7-A64A8798F5C0}"/>
               </a:ext>
             </a:extLst>
@@ -6485,7 +6664,7 @@
 </p:sld>
 </file>
 
-<file path=ppt/slides/slide4.xml><?xml version="1.0" encoding="utf-8"?>
+<file path=ppt/slides/slide5.xml><?xml version="1.0" encoding="utf-8"?>
 <p:sld xmlns:a="http://schemas.openxmlformats.org/drawingml/2006/main" xmlns:r="http://schemas.openxmlformats.org/officeDocument/2006/relationships" xmlns:p="http://schemas.openxmlformats.org/presentationml/2006/main">
   <p:cSld>
     <p:spTree>
@@ -6780,7 +6959,7 @@
 </p:sld>
 </file>
 
-<file path=ppt/slides/slide5.xml><?xml version="1.0" encoding="utf-8"?>
+<file path=ppt/slides/slide6.xml><?xml version="1.0" encoding="utf-8"?>
 <p:sld xmlns:a="http://schemas.openxmlformats.org/drawingml/2006/main" xmlns:r="http://schemas.openxmlformats.org/officeDocument/2006/relationships" xmlns:p="http://schemas.openxmlformats.org/presentationml/2006/main">
   <p:cSld>
     <p:spTree>
@@ -7053,7 +7232,7 @@
 </p:sld>
 </file>
 
-<file path=ppt/slides/slide6.xml><?xml version="1.0" encoding="utf-8"?>
+<file path=ppt/slides/slide7.xml><?xml version="1.0" encoding="utf-8"?>
 <p:sld xmlns:a="http://schemas.openxmlformats.org/drawingml/2006/main" xmlns:r="http://schemas.openxmlformats.org/officeDocument/2006/relationships" xmlns:p="http://schemas.openxmlformats.org/presentationml/2006/main">
   <p:cSld>
     <p:spTree>
@@ -7374,306 +7553,6 @@
 </p:sld>
 </file>
 
-<file path=ppt/slides/slide7.xml><?xml version="1.0" encoding="utf-8"?>
-<p:sld xmlns:a="http://schemas.openxmlformats.org/drawingml/2006/main" xmlns:r="http://schemas.openxmlformats.org/officeDocument/2006/relationships" xmlns:p="http://schemas.openxmlformats.org/presentationml/2006/main">
-  <p:cSld>
-    <p:spTree>
-      <p:nvGrpSpPr>
-        <p:cNvPr id="1" name=""/>
-        <p:cNvGrpSpPr/>
-        <p:nvPr/>
-      </p:nvGrpSpPr>
-      <p:grpSpPr>
-        <a:xfrm>
-          <a:off x="0" y="0"/>
-          <a:ext cx="0" cy="0"/>
-          <a:chOff x="0" y="0"/>
-          <a:chExt cx="0" cy="0"/>
-        </a:xfrm>
-      </p:grpSpPr>
-      <p:sp>
-        <p:nvSpPr>
-          <p:cNvPr id="2" name="Title 1">
-            <a:extLst>
-              <a:ext uri="{FF2B5EF4-FFF2-40B4-BE49-F238E27FC236}">
-                <a16:creationId xmlns:a16="http://schemas.microsoft.com/office/drawing/2014/main" id="{35584775-AE6D-D54E-B457-B0DA8E9C0746}"/>
-              </a:ext>
-            </a:extLst>
-          </p:cNvPr>
-          <p:cNvSpPr>
-            <a:spLocks noGrp="1"/>
-          </p:cNvSpPr>
-          <p:nvPr>
-            <p:ph type="title"/>
-          </p:nvPr>
-        </p:nvSpPr>
-        <p:spPr/>
-        <p:txBody>
-          <a:bodyPr/>
-          <a:lstStyle/>
-          <a:p>
-            <a:r>
-              <a:rPr lang="en-US" dirty="0"/>
-              <a:t>What we really want</a:t>
-            </a:r>
-          </a:p>
-        </p:txBody>
-      </p:sp>
-      <p:sp>
-        <p:nvSpPr>
-          <p:cNvPr id="3" name="Content Placeholder 2">
-            <a:extLst>
-              <a:ext uri="{FF2B5EF4-FFF2-40B4-BE49-F238E27FC236}">
-                <a16:creationId xmlns:a16="http://schemas.microsoft.com/office/drawing/2014/main" id="{F6D2D0F6-4F06-474E-8B86-2AC71B7A0109}"/>
-              </a:ext>
-            </a:extLst>
-          </p:cNvPr>
-          <p:cNvSpPr>
-            <a:spLocks noGrp="1"/>
-          </p:cNvSpPr>
-          <p:nvPr>
-            <p:ph idx="1"/>
-          </p:nvPr>
-        </p:nvSpPr>
-        <p:spPr>
-          <a:xfrm>
-            <a:off x="3869267" y="864108"/>
-            <a:ext cx="8069813" cy="5120640"/>
-          </a:xfrm>
-        </p:spPr>
-        <p:txBody>
-          <a:bodyPr>
-            <a:normAutofit/>
-          </a:bodyPr>
-          <a:lstStyle/>
-          <a:p>
-            <a:pPr marL="217488" indent="-217488"/>
-            <a:r>
-              <a:rPr lang="en-US" sz="2400" dirty="0">
-                <a:latin typeface="Arial" panose="020B0604020202020204" pitchFamily="34" charset="0"/>
-                <a:cs typeface="Arial" panose="020B0604020202020204" pitchFamily="34" charset="0"/>
-              </a:rPr>
-              <a:t>Each name should “map” to the corresponding number:</a:t>
-            </a:r>
-          </a:p>
-          <a:p>
-            <a:pPr marL="1831975" indent="0">
-              <a:buNone/>
-            </a:pPr>
-            <a:endParaRPr lang="en-US" sz="2400" dirty="0">
-              <a:latin typeface="Courier" pitchFamily="2" charset="0"/>
-            </a:endParaRPr>
-          </a:p>
-          <a:p>
-            <a:pPr marL="1831975" indent="0">
-              <a:buNone/>
-            </a:pPr>
-            <a:r>
-              <a:rPr lang="en-US" sz="2400" dirty="0">
-                <a:latin typeface="Courier" pitchFamily="2" charset="0"/>
-              </a:rPr>
-              <a:t> </a:t>
-            </a:r>
-            <a:r>
-              <a:rPr lang="en-US" sz="2400" dirty="0">
-                <a:solidFill>
-                  <a:srgbClr val="00B050"/>
-                </a:solidFill>
-                <a:latin typeface="Courier" pitchFamily="2" charset="0"/>
-              </a:rPr>
-              <a:t>“Joe” </a:t>
-            </a:r>
-            <a:r>
-              <a:rPr lang="en-US" sz="2400" dirty="0">
-                <a:latin typeface="Courier" pitchFamily="2" charset="0"/>
-                <a:sym typeface="Wingdings" pitchFamily="2" charset="2"/>
-              </a:rPr>
-              <a:t></a:t>
-            </a:r>
-            <a:r>
-              <a:rPr lang="en-US" sz="2400" dirty="0">
-                <a:solidFill>
-                  <a:srgbClr val="00B050"/>
-                </a:solidFill>
-                <a:latin typeface="Courier" pitchFamily="2" charset="0"/>
-                <a:sym typeface="Wingdings" pitchFamily="2" charset="2"/>
-              </a:rPr>
-              <a:t> “413-286-3712”</a:t>
-            </a:r>
-          </a:p>
-          <a:p>
-            <a:pPr marL="1831975" indent="0">
-              <a:buNone/>
-            </a:pPr>
-            <a:r>
-              <a:rPr lang="en-US" sz="2400" dirty="0">
-                <a:solidFill>
-                  <a:srgbClr val="00B050"/>
-                </a:solidFill>
-                <a:latin typeface="Courier" pitchFamily="2" charset="0"/>
-                <a:sym typeface="Wingdings" pitchFamily="2" charset="2"/>
-              </a:rPr>
-              <a:t> “Ali” </a:t>
-            </a:r>
-            <a:r>
-              <a:rPr lang="en-US" sz="2400" dirty="0">
-                <a:latin typeface="Courier" pitchFamily="2" charset="0"/>
-                <a:sym typeface="Wingdings" pitchFamily="2" charset="2"/>
-              </a:rPr>
-              <a:t></a:t>
-            </a:r>
-            <a:r>
-              <a:rPr lang="en-US" sz="2400" dirty="0">
-                <a:solidFill>
-                  <a:srgbClr val="00B050"/>
-                </a:solidFill>
-                <a:latin typeface="Courier" pitchFamily="2" charset="0"/>
-                <a:sym typeface="Wingdings" pitchFamily="2" charset="2"/>
-              </a:rPr>
-              <a:t> “972-272-2782”</a:t>
-            </a:r>
-          </a:p>
-          <a:p>
-            <a:pPr marL="1831975" indent="0">
-              <a:buNone/>
-            </a:pPr>
-            <a:r>
-              <a:rPr lang="en-US" sz="2400" dirty="0">
-                <a:solidFill>
-                  <a:srgbClr val="00B050"/>
-                </a:solidFill>
-                <a:latin typeface="Courier" pitchFamily="2" charset="0"/>
-                <a:sym typeface="Wingdings" pitchFamily="2" charset="2"/>
-              </a:rPr>
-              <a:t>“Clio” </a:t>
-            </a:r>
-            <a:r>
-              <a:rPr lang="en-US" sz="2400" dirty="0">
-                <a:latin typeface="Courier" pitchFamily="2" charset="0"/>
-                <a:sym typeface="Wingdings" pitchFamily="2" charset="2"/>
-              </a:rPr>
-              <a:t></a:t>
-            </a:r>
-            <a:r>
-              <a:rPr lang="en-US" sz="2400" dirty="0">
-                <a:solidFill>
-                  <a:srgbClr val="00B050"/>
-                </a:solidFill>
-                <a:latin typeface="Courier" pitchFamily="2" charset="0"/>
-                <a:sym typeface="Wingdings" pitchFamily="2" charset="2"/>
-              </a:rPr>
-              <a:t> “291-288-2897”</a:t>
-            </a:r>
-          </a:p>
-          <a:p>
-            <a:pPr marL="217488" indent="-217488"/>
-            <a:endParaRPr lang="en-US" sz="2400" dirty="0">
-              <a:latin typeface="Arial" panose="020B0604020202020204" pitchFamily="34" charset="0"/>
-              <a:cs typeface="Arial" panose="020B0604020202020204" pitchFamily="34" charset="0"/>
-            </a:endParaRPr>
-          </a:p>
-          <a:p>
-            <a:pPr marL="217488" indent="-217488"/>
-            <a:r>
-              <a:rPr lang="en-US" sz="2400" dirty="0">
-                <a:latin typeface="Arial" panose="020B0604020202020204" pitchFamily="34" charset="0"/>
-                <a:cs typeface="Arial" panose="020B0604020202020204" pitchFamily="34" charset="0"/>
-              </a:rPr>
-              <a:t>That way, we could access the </a:t>
-            </a:r>
-            <a:r>
-              <a:rPr lang="en-US" sz="2400" b="1" dirty="0">
-                <a:latin typeface="Courier" pitchFamily="2" charset="0"/>
-                <a:cs typeface="Arial" panose="020B0604020202020204" pitchFamily="34" charset="0"/>
-              </a:rPr>
-              <a:t>number</a:t>
-            </a:r>
-            <a:r>
-              <a:rPr lang="en-US" sz="2400" dirty="0">
-                <a:latin typeface="Arial" panose="020B0604020202020204" pitchFamily="34" charset="0"/>
-                <a:cs typeface="Arial" panose="020B0604020202020204" pitchFamily="34" charset="0"/>
-              </a:rPr>
-              <a:t> using the </a:t>
-            </a:r>
-            <a:r>
-              <a:rPr lang="en-US" sz="2400" b="1" dirty="0">
-                <a:latin typeface="Courier" pitchFamily="2" charset="0"/>
-                <a:cs typeface="Arial" panose="020B0604020202020204" pitchFamily="34" charset="0"/>
-              </a:rPr>
-              <a:t>name</a:t>
-            </a:r>
-            <a:r>
-              <a:rPr lang="en-US" sz="2400" dirty="0">
-                <a:latin typeface="Arial" panose="020B0604020202020204" pitchFamily="34" charset="0"/>
-                <a:cs typeface="Arial" panose="020B0604020202020204" pitchFamily="34" charset="0"/>
-              </a:rPr>
-              <a:t>:</a:t>
-            </a:r>
-          </a:p>
-          <a:p>
-            <a:pPr marL="0" indent="0" algn="ctr">
-              <a:buNone/>
-            </a:pPr>
-            <a:r>
-              <a:rPr lang="en-US" sz="2400" dirty="0">
-                <a:latin typeface="Courier" pitchFamily="2" charset="0"/>
-                <a:cs typeface="Arial" panose="020B0604020202020204" pitchFamily="34" charset="0"/>
-              </a:rPr>
-              <a:t>contacts[</a:t>
-            </a:r>
-            <a:r>
-              <a:rPr lang="en-US" sz="2400" dirty="0">
-                <a:solidFill>
-                  <a:srgbClr val="00B050"/>
-                </a:solidFill>
-                <a:latin typeface="Courier" pitchFamily="2" charset="0"/>
-                <a:cs typeface="Arial" panose="020B0604020202020204" pitchFamily="34" charset="0"/>
-              </a:rPr>
-              <a:t>“Joe”</a:t>
-            </a:r>
-            <a:r>
-              <a:rPr lang="en-US" sz="2400" dirty="0">
-                <a:latin typeface="Courier" pitchFamily="2" charset="0"/>
-                <a:cs typeface="Arial" panose="020B0604020202020204" pitchFamily="34" charset="0"/>
-              </a:rPr>
-              <a:t>] </a:t>
-            </a:r>
-            <a:r>
-              <a:rPr lang="en-US" sz="2400" dirty="0">
-                <a:solidFill>
-                  <a:srgbClr val="C00000"/>
-                </a:solidFill>
-                <a:latin typeface="Courier" pitchFamily="2" charset="0"/>
-                <a:cs typeface="Arial" panose="020B0604020202020204" pitchFamily="34" charset="0"/>
-              </a:rPr>
-              <a:t># </a:t>
-            </a:r>
-            <a:r>
-              <a:rPr lang="en-US" sz="2400" dirty="0">
-                <a:solidFill>
-                  <a:srgbClr val="C00000"/>
-                </a:solidFill>
-                <a:latin typeface="Courier" pitchFamily="2" charset="0"/>
-                <a:sym typeface="Wingdings" pitchFamily="2" charset="2"/>
-              </a:rPr>
-              <a:t>“413-286-3712”</a:t>
-            </a:r>
-          </a:p>
-        </p:txBody>
-      </p:sp>
-    </p:spTree>
-    <p:extLst>
-      <p:ext uri="{BB962C8B-B14F-4D97-AF65-F5344CB8AC3E}">
-        <p14:creationId xmlns:p14="http://schemas.microsoft.com/office/powerpoint/2010/main" val="1394050917"/>
-      </p:ext>
-    </p:extLst>
-  </p:cSld>
-  <p:clrMapOvr>
-    <a:masterClrMapping/>
-  </p:clrMapOvr>
-</p:sld>
-</file>
-
 <file path=ppt/slides/slide8.xml><?xml version="1.0" encoding="utf-8"?>
 <p:sld xmlns:a="http://schemas.openxmlformats.org/drawingml/2006/main" xmlns:r="http://schemas.openxmlformats.org/officeDocument/2006/relationships" xmlns:p="http://schemas.openxmlformats.org/presentationml/2006/main">
   <p:cSld>
@@ -7696,7 +7575,7 @@
           <p:cNvPr id="2" name="Title 1">
             <a:extLst>
               <a:ext uri="{FF2B5EF4-FFF2-40B4-BE49-F238E27FC236}">
-                <a16:creationId xmlns:a16="http://schemas.microsoft.com/office/drawing/2014/main" id="{4F9B6890-7592-F94D-AE33-DDB1A9E982A8}"/>
+                <a16:creationId xmlns:a16="http://schemas.microsoft.com/office/drawing/2014/main" id="{35584775-AE6D-D54E-B457-B0DA8E9C0746}"/>
               </a:ext>
             </a:extLst>
           </p:cNvPr>
@@ -7714,17 +7593,8 @@
           <a:p>
             <a:r>
               <a:rPr lang="en-US" dirty="0"/>
-              <a:t>Introducing: </a:t>
-            </a:r>
-            <a:r>
-              <a:rPr lang="en-US" sz="2800" b="1" dirty="0">
-                <a:latin typeface="Courier" pitchFamily="2" charset="0"/>
-              </a:rPr>
-              <a:t>dictionaries</a:t>
-            </a:r>
-            <a:endParaRPr lang="en-US" b="1" dirty="0">
-              <a:latin typeface="Courier" pitchFamily="2" charset="0"/>
-            </a:endParaRPr>
+              <a:t>What we really want</a:t>
+            </a:r>
           </a:p>
         </p:txBody>
       </p:sp>
@@ -7733,7 +7603,7 @@
           <p:cNvPr id="3" name="Content Placeholder 2">
             <a:extLst>
               <a:ext uri="{FF2B5EF4-FFF2-40B4-BE49-F238E27FC236}">
-                <a16:creationId xmlns:a16="http://schemas.microsoft.com/office/drawing/2014/main" id="{B9C3FB53-E614-7A41-B009-12D07B88986C}"/>
+                <a16:creationId xmlns:a16="http://schemas.microsoft.com/office/drawing/2014/main" id="{F6D2D0F6-4F06-474E-8B86-2AC71B7A0109}"/>
               </a:ext>
             </a:extLst>
           </p:cNvPr>
@@ -7744,119 +7614,236 @@
             <p:ph idx="1"/>
           </p:nvPr>
         </p:nvSpPr>
-        <p:spPr/>
+        <p:spPr>
+          <a:xfrm>
+            <a:off x="3869267" y="864108"/>
+            <a:ext cx="8069813" cy="5120640"/>
+          </a:xfrm>
+        </p:spPr>
         <p:txBody>
           <a:bodyPr>
             <a:normAutofit/>
           </a:bodyPr>
           <a:lstStyle/>
           <a:p>
-            <a:r>
-              <a:rPr lang="en-US" sz="2800" b="1" dirty="0">
-                <a:latin typeface="Courier" pitchFamily="2" charset="0"/>
-              </a:rPr>
-              <a:t>lists</a:t>
-            </a:r>
-            <a:r>
-              <a:rPr lang="en-US" sz="2800" dirty="0"/>
-              <a:t> were </a:t>
-            </a:r>
-            <a:r>
-              <a:rPr lang="en-US" sz="2800" b="1" dirty="0"/>
-              <a:t>ordered</a:t>
-            </a:r>
-            <a:r>
-              <a:rPr lang="en-US" sz="2800" dirty="0"/>
-              <a:t> sets of objects, and we accessed their contents via position (index)</a:t>
-            </a:r>
-          </a:p>
-          <a:p>
-            <a:r>
-              <a:rPr lang="en-US" sz="2800" b="1" dirty="0">
-                <a:latin typeface="Courier" pitchFamily="2" charset="0"/>
-              </a:rPr>
-              <a:t>dictionaries</a:t>
-            </a:r>
-            <a:r>
-              <a:rPr lang="en-US" sz="2800" dirty="0"/>
-              <a:t> are </a:t>
-            </a:r>
-            <a:r>
-              <a:rPr lang="en-US" sz="2800" b="1" dirty="0"/>
-              <a:t>unordered</a:t>
-            </a:r>
-            <a:r>
-              <a:rPr lang="en-US" sz="2800" dirty="0"/>
-              <a:t> sets, and we can access their contents via </a:t>
-            </a:r>
-            <a:r>
-              <a:rPr lang="en-US" sz="2800" b="1" dirty="0">
-                <a:latin typeface="Courier" pitchFamily="2" charset="0"/>
-              </a:rPr>
-              <a:t>keys</a:t>
-            </a:r>
-          </a:p>
-          <a:p>
-            <a:r>
-              <a:rPr lang="en-US" sz="2800" dirty="0">
+            <a:pPr marL="217488" indent="-217488"/>
+            <a:r>
+              <a:rPr lang="en-US" sz="2400" dirty="0">
                 <a:latin typeface="Arial" panose="020B0604020202020204" pitchFamily="34" charset="0"/>
                 <a:cs typeface="Arial" panose="020B0604020202020204" pitchFamily="34" charset="0"/>
               </a:rPr>
-              <a:t>We declare them using </a:t>
-            </a:r>
-            <a:r>
-              <a:rPr lang="en-US" sz="2800" b="1" dirty="0">
+              <a:t>Each name should “map” to the corresponding number:</a:t>
+            </a:r>
+          </a:p>
+          <a:p>
+            <a:pPr marL="1831975" indent="0">
+              <a:buNone/>
+            </a:pPr>
+            <a:endParaRPr lang="en-US" sz="2400" dirty="0">
+              <a:latin typeface="Courier" pitchFamily="2" charset="0"/>
+            </a:endParaRPr>
+          </a:p>
+          <a:p>
+            <a:pPr marL="1831975" indent="0">
+              <a:buNone/>
+            </a:pPr>
+            <a:r>
+              <a:rPr lang="en-US" sz="2400" dirty="0">
+                <a:latin typeface="Courier" pitchFamily="2" charset="0"/>
+              </a:rPr>
+              <a:t> </a:t>
+            </a:r>
+            <a:r>
+              <a:rPr lang="en-US" sz="2400" dirty="0">
+                <a:solidFill>
+                  <a:srgbClr val="00B050"/>
+                </a:solidFill>
+                <a:latin typeface="Courier" pitchFamily="2" charset="0"/>
+              </a:rPr>
+              <a:t>“Joe” </a:t>
+            </a:r>
+            <a:r>
+              <a:rPr lang="en-US" sz="2400" dirty="0">
+                <a:latin typeface="Courier" pitchFamily="2" charset="0"/>
+                <a:sym typeface="Wingdings" pitchFamily="2" charset="2"/>
+              </a:rPr>
+              <a:t></a:t>
+            </a:r>
+            <a:r>
+              <a:rPr lang="en-US" sz="2400" dirty="0">
+                <a:solidFill>
+                  <a:srgbClr val="00B050"/>
+                </a:solidFill>
+                <a:latin typeface="Courier" pitchFamily="2" charset="0"/>
+                <a:sym typeface="Wingdings" pitchFamily="2" charset="2"/>
+              </a:rPr>
+              <a:t> “413-286-3712”</a:t>
+            </a:r>
+          </a:p>
+          <a:p>
+            <a:pPr marL="1831975" indent="0">
+              <a:buNone/>
+            </a:pPr>
+            <a:r>
+              <a:rPr lang="en-US" sz="2400" dirty="0">
+                <a:solidFill>
+                  <a:srgbClr val="00B050"/>
+                </a:solidFill>
+                <a:latin typeface="Courier" pitchFamily="2" charset="0"/>
+                <a:sym typeface="Wingdings" pitchFamily="2" charset="2"/>
+              </a:rPr>
+              <a:t> “Ali” </a:t>
+            </a:r>
+            <a:r>
+              <a:rPr lang="en-US" sz="2400" dirty="0">
+                <a:latin typeface="Courier" pitchFamily="2" charset="0"/>
+                <a:sym typeface="Wingdings" pitchFamily="2" charset="2"/>
+              </a:rPr>
+              <a:t></a:t>
+            </a:r>
+            <a:r>
+              <a:rPr lang="en-US" sz="2400" dirty="0">
+                <a:solidFill>
+                  <a:srgbClr val="00B050"/>
+                </a:solidFill>
+                <a:latin typeface="Courier" pitchFamily="2" charset="0"/>
+                <a:sym typeface="Wingdings" pitchFamily="2" charset="2"/>
+              </a:rPr>
+              <a:t> “972-272-2782”</a:t>
+            </a:r>
+          </a:p>
+          <a:p>
+            <a:pPr marL="1831975" indent="0">
+              <a:buNone/>
+            </a:pPr>
+            <a:r>
+              <a:rPr lang="en-US" sz="2400" dirty="0">
+                <a:solidFill>
+                  <a:srgbClr val="00B050"/>
+                </a:solidFill>
+                <a:latin typeface="Courier" pitchFamily="2" charset="0"/>
+                <a:sym typeface="Wingdings" pitchFamily="2" charset="2"/>
+              </a:rPr>
+              <a:t>“Clio” </a:t>
+            </a:r>
+            <a:r>
+              <a:rPr lang="en-US" sz="2400" dirty="0">
+                <a:latin typeface="Courier" pitchFamily="2" charset="0"/>
+                <a:sym typeface="Wingdings" pitchFamily="2" charset="2"/>
+              </a:rPr>
+              <a:t></a:t>
+            </a:r>
+            <a:r>
+              <a:rPr lang="en-US" sz="2400" dirty="0">
+                <a:solidFill>
+                  <a:srgbClr val="00B050"/>
+                </a:solidFill>
+                <a:latin typeface="Courier" pitchFamily="2" charset="0"/>
+                <a:sym typeface="Wingdings" pitchFamily="2" charset="2"/>
+              </a:rPr>
+              <a:t> “291-288-2897”</a:t>
+            </a:r>
+          </a:p>
+          <a:p>
+            <a:pPr marL="217488" indent="-217488"/>
+            <a:endParaRPr lang="en-US" sz="2400" dirty="0">
+              <a:latin typeface="Arial" panose="020B0604020202020204" pitchFamily="34" charset="0"/>
+              <a:cs typeface="Arial" panose="020B0604020202020204" pitchFamily="34" charset="0"/>
+            </a:endParaRPr>
+          </a:p>
+          <a:p>
+            <a:pPr marL="217488" indent="-217488"/>
+            <a:r>
+              <a:rPr lang="en-US" sz="2400" dirty="0">
+                <a:latin typeface="Arial" panose="020B0604020202020204" pitchFamily="34" charset="0"/>
+                <a:cs typeface="Arial" panose="020B0604020202020204" pitchFamily="34" charset="0"/>
+              </a:rPr>
+              <a:t>That way, we could access the </a:t>
+            </a:r>
+            <a:r>
+              <a:rPr lang="en-US" sz="2400" b="1" dirty="0">
                 <a:latin typeface="Courier" pitchFamily="2" charset="0"/>
                 <a:cs typeface="Arial" panose="020B0604020202020204" pitchFamily="34" charset="0"/>
               </a:rPr>
-              <a:t>{…}</a:t>
-            </a:r>
-            <a:r>
-              <a:rPr lang="en-US" sz="2800" dirty="0">
+              <a:t>number</a:t>
+            </a:r>
+            <a:r>
+              <a:rPr lang="en-US" sz="2400" dirty="0">
                 <a:latin typeface="Arial" panose="020B0604020202020204" pitchFamily="34" charset="0"/>
                 <a:cs typeface="Arial" panose="020B0604020202020204" pitchFamily="34" charset="0"/>
               </a:rPr>
-              <a:t> </a:t>
-            </a:r>
-            <a:r>
-              <a:rPr lang="en-US" sz="2800" dirty="0">
+              <a:t> using the </a:t>
+            </a:r>
+            <a:r>
+              <a:rPr lang="en-US" sz="2400" b="1" dirty="0">
+                <a:latin typeface="Courier" pitchFamily="2" charset="0"/>
+                <a:cs typeface="Arial" panose="020B0604020202020204" pitchFamily="34" charset="0"/>
+              </a:rPr>
+              <a:t>name</a:t>
+            </a:r>
+            <a:r>
+              <a:rPr lang="en-US" sz="2400" dirty="0">
                 <a:latin typeface="Arial" panose="020B0604020202020204" pitchFamily="34" charset="0"/>
                 <a:cs typeface="Arial" panose="020B0604020202020204" pitchFamily="34" charset="0"/>
-                <a:sym typeface="Wingdings" pitchFamily="2" charset="2"/>
               </a:rPr>
-              <a:t> “curly braces” like this:</a:t>
-            </a:r>
-          </a:p>
-          <a:p>
-            <a:endParaRPr lang="en-US" sz="2800" dirty="0">
-              <a:latin typeface="Arial" panose="020B0604020202020204" pitchFamily="34" charset="0"/>
-              <a:cs typeface="Arial" panose="020B0604020202020204" pitchFamily="34" charset="0"/>
-              <a:sym typeface="Wingdings" pitchFamily="2" charset="2"/>
-            </a:endParaRPr>
+              <a:t>:</a:t>
+            </a:r>
           </a:p>
           <a:p>
             <a:pPr marL="0" indent="0" algn="ctr">
               <a:buNone/>
             </a:pPr>
             <a:r>
-              <a:rPr lang="en-US" sz="2800" b="1" dirty="0">
+              <a:rPr lang="en-US" sz="2400" dirty="0">
                 <a:latin typeface="Courier" pitchFamily="2" charset="0"/>
                 <a:cs typeface="Arial" panose="020B0604020202020204" pitchFamily="34" charset="0"/>
+              </a:rPr>
+              <a:t>contacts[</a:t>
+            </a:r>
+            <a:r>
+              <a:rPr lang="en-US" sz="2400" dirty="0">
+                <a:solidFill>
+                  <a:srgbClr val="00B050"/>
+                </a:solidFill>
+                <a:latin typeface="Courier" pitchFamily="2" charset="0"/>
+                <a:cs typeface="Arial" panose="020B0604020202020204" pitchFamily="34" charset="0"/>
+              </a:rPr>
+              <a:t>“Joe”</a:t>
+            </a:r>
+            <a:r>
+              <a:rPr lang="en-US" sz="2400" dirty="0">
+                <a:latin typeface="Courier" pitchFamily="2" charset="0"/>
+                <a:cs typeface="Arial" panose="020B0604020202020204" pitchFamily="34" charset="0"/>
+              </a:rPr>
+              <a:t>] </a:t>
+            </a:r>
+            <a:r>
+              <a:rPr lang="en-US" sz="2400" dirty="0">
+                <a:solidFill>
+                  <a:srgbClr val="C00000"/>
+                </a:solidFill>
+                <a:latin typeface="Courier" pitchFamily="2" charset="0"/>
+                <a:cs typeface="Arial" panose="020B0604020202020204" pitchFamily="34" charset="0"/>
+              </a:rPr>
+              <a:t># </a:t>
+            </a:r>
+            <a:r>
+              <a:rPr lang="en-US" sz="2400" dirty="0">
+                <a:solidFill>
+                  <a:srgbClr val="C00000"/>
+                </a:solidFill>
+                <a:latin typeface="Courier" pitchFamily="2" charset="0"/>
                 <a:sym typeface="Wingdings" pitchFamily="2" charset="2"/>
               </a:rPr>
-              <a:t>contacts = {}</a:t>
-            </a:r>
-            <a:endParaRPr lang="en-US" sz="2800" b="1" dirty="0">
-              <a:latin typeface="Courier" pitchFamily="2" charset="0"/>
-              <a:cs typeface="Arial" panose="020B0604020202020204" pitchFamily="34" charset="0"/>
-            </a:endParaRPr>
+              <a:t>“413-286-3712”</a:t>
+            </a:r>
           </a:p>
         </p:txBody>
       </p:sp>
     </p:spTree>
     <p:extLst>
       <p:ext uri="{BB962C8B-B14F-4D97-AF65-F5344CB8AC3E}">
-        <p14:creationId xmlns:p14="http://schemas.microsoft.com/office/powerpoint/2010/main" val="3687501308"/>
+        <p14:creationId xmlns:p14="http://schemas.microsoft.com/office/powerpoint/2010/main" val="1394050917"/>
       </p:ext>
     </p:extLst>
   </p:cSld>
@@ -7888,7 +7875,7 @@
           <p:cNvPr id="2" name="Title 1">
             <a:extLst>
               <a:ext uri="{FF2B5EF4-FFF2-40B4-BE49-F238E27FC236}">
-                <a16:creationId xmlns:a16="http://schemas.microsoft.com/office/drawing/2014/main" id="{A78A4EB1-1ED4-8548-B5D4-FDE42C6F2038}"/>
+                <a16:creationId xmlns:a16="http://schemas.microsoft.com/office/drawing/2014/main" id="{4F9B6890-7592-F94D-AE33-DDB1A9E982A8}"/>
               </a:ext>
             </a:extLst>
           </p:cNvPr>
@@ -7906,45 +7893,149 @@
           <a:p>
             <a:r>
               <a:rPr lang="en-US" dirty="0"/>
-              <a:t>Contacts: take 2</a:t>
-            </a:r>
-          </a:p>
-        </p:txBody>
-      </p:sp>
-      <p:pic>
-        <p:nvPicPr>
-          <p:cNvPr id="8" name="Content Placeholder 4">
+              <a:t>Introducing: </a:t>
+            </a:r>
+            <a:r>
+              <a:rPr lang="en-US" sz="2800" b="1" dirty="0">
+                <a:latin typeface="Courier" pitchFamily="2" charset="0"/>
+              </a:rPr>
+              <a:t>dictionaries</a:t>
+            </a:r>
+            <a:endParaRPr lang="en-US" b="1" dirty="0">
+              <a:latin typeface="Courier" pitchFamily="2" charset="0"/>
+            </a:endParaRPr>
+          </a:p>
+        </p:txBody>
+      </p:sp>
+      <p:sp>
+        <p:nvSpPr>
+          <p:cNvPr id="3" name="Content Placeholder 2">
             <a:extLst>
               <a:ext uri="{FF2B5EF4-FFF2-40B4-BE49-F238E27FC236}">
-                <a16:creationId xmlns:a16="http://schemas.microsoft.com/office/drawing/2014/main" id="{4BE22C47-ADCB-B94A-8960-24193A78CFE1}"/>
+                <a16:creationId xmlns:a16="http://schemas.microsoft.com/office/drawing/2014/main" id="{B9C3FB53-E614-7A41-B009-12D07B88986C}"/>
               </a:ext>
             </a:extLst>
           </p:cNvPr>
-          <p:cNvPicPr>
-            <a:picLocks noChangeAspect="1"/>
-          </p:cNvPicPr>
-          <p:nvPr/>
-        </p:nvPicPr>
-        <p:blipFill>
-          <a:blip r:embed="rId2"/>
-          <a:stretch>
-            <a:fillRect/>
-          </a:stretch>
-        </p:blipFill>
-        <p:spPr>
-          <a:xfrm>
-            <a:off x="3902596" y="591959"/>
-            <a:ext cx="7130008" cy="5664938"/>
-          </a:xfrm>
-          <a:prstGeom prst="rect">
-            <a:avLst/>
-          </a:prstGeom>
-        </p:spPr>
-      </p:pic>
+          <p:cNvSpPr>
+            <a:spLocks noGrp="1"/>
+          </p:cNvSpPr>
+          <p:nvPr>
+            <p:ph idx="1"/>
+          </p:nvPr>
+        </p:nvSpPr>
+        <p:spPr/>
+        <p:txBody>
+          <a:bodyPr>
+            <a:normAutofit/>
+          </a:bodyPr>
+          <a:lstStyle/>
+          <a:p>
+            <a:r>
+              <a:rPr lang="en-US" sz="2800" b="1" dirty="0">
+                <a:latin typeface="Courier" pitchFamily="2" charset="0"/>
+              </a:rPr>
+              <a:t>lists</a:t>
+            </a:r>
+            <a:r>
+              <a:rPr lang="en-US" sz="2800" dirty="0"/>
+              <a:t> were </a:t>
+            </a:r>
+            <a:r>
+              <a:rPr lang="en-US" sz="2800" b="1" dirty="0"/>
+              <a:t>ordered</a:t>
+            </a:r>
+            <a:r>
+              <a:rPr lang="en-US" sz="2800" dirty="0"/>
+              <a:t> sets of objects, and we accessed their contents via position (index)</a:t>
+            </a:r>
+          </a:p>
+          <a:p>
+            <a:r>
+              <a:rPr lang="en-US" sz="2800" b="1" dirty="0">
+                <a:latin typeface="Courier" pitchFamily="2" charset="0"/>
+              </a:rPr>
+              <a:t>dictionaries</a:t>
+            </a:r>
+            <a:r>
+              <a:rPr lang="en-US" sz="2800" dirty="0"/>
+              <a:t> are </a:t>
+            </a:r>
+            <a:r>
+              <a:rPr lang="en-US" sz="2800" b="1" dirty="0"/>
+              <a:t>unordered</a:t>
+            </a:r>
+            <a:r>
+              <a:rPr lang="en-US" sz="2800" dirty="0"/>
+              <a:t> sets, and we can access their contents via </a:t>
+            </a:r>
+            <a:r>
+              <a:rPr lang="en-US" sz="2800" b="1" dirty="0">
+                <a:latin typeface="Courier" pitchFamily="2" charset="0"/>
+              </a:rPr>
+              <a:t>keys</a:t>
+            </a:r>
+          </a:p>
+          <a:p>
+            <a:r>
+              <a:rPr lang="en-US" sz="2800" dirty="0">
+                <a:latin typeface="Arial" panose="020B0604020202020204" pitchFamily="34" charset="0"/>
+                <a:cs typeface="Arial" panose="020B0604020202020204" pitchFamily="34" charset="0"/>
+              </a:rPr>
+              <a:t>We declare them using </a:t>
+            </a:r>
+            <a:r>
+              <a:rPr lang="en-US" sz="2800" b="1" dirty="0">
+                <a:latin typeface="Courier" pitchFamily="2" charset="0"/>
+                <a:cs typeface="Arial" panose="020B0604020202020204" pitchFamily="34" charset="0"/>
+              </a:rPr>
+              <a:t>{…}</a:t>
+            </a:r>
+            <a:r>
+              <a:rPr lang="en-US" sz="2800" dirty="0">
+                <a:latin typeface="Arial" panose="020B0604020202020204" pitchFamily="34" charset="0"/>
+                <a:cs typeface="Arial" panose="020B0604020202020204" pitchFamily="34" charset="0"/>
+              </a:rPr>
+              <a:t> </a:t>
+            </a:r>
+            <a:r>
+              <a:rPr lang="en-US" sz="2800" dirty="0">
+                <a:latin typeface="Arial" panose="020B0604020202020204" pitchFamily="34" charset="0"/>
+                <a:cs typeface="Arial" panose="020B0604020202020204" pitchFamily="34" charset="0"/>
+                <a:sym typeface="Wingdings" pitchFamily="2" charset="2"/>
+              </a:rPr>
+              <a:t> “curly braces” like this:</a:t>
+            </a:r>
+          </a:p>
+          <a:p>
+            <a:endParaRPr lang="en-US" sz="2800" dirty="0">
+              <a:latin typeface="Arial" panose="020B0604020202020204" pitchFamily="34" charset="0"/>
+              <a:cs typeface="Arial" panose="020B0604020202020204" pitchFamily="34" charset="0"/>
+              <a:sym typeface="Wingdings" pitchFamily="2" charset="2"/>
+            </a:endParaRPr>
+          </a:p>
+          <a:p>
+            <a:pPr marL="0" indent="0" algn="ctr">
+              <a:buNone/>
+            </a:pPr>
+            <a:r>
+              <a:rPr lang="en-US" sz="2800" b="1" dirty="0">
+                <a:latin typeface="Courier" pitchFamily="2" charset="0"/>
+                <a:cs typeface="Arial" panose="020B0604020202020204" pitchFamily="34" charset="0"/>
+                <a:sym typeface="Wingdings" pitchFamily="2" charset="2"/>
+              </a:rPr>
+              <a:t>contacts = {}</a:t>
+            </a:r>
+            <a:endParaRPr lang="en-US" sz="2800" b="1" dirty="0">
+              <a:latin typeface="Courier" pitchFamily="2" charset="0"/>
+              <a:cs typeface="Arial" panose="020B0604020202020204" pitchFamily="34" charset="0"/>
+            </a:endParaRPr>
+          </a:p>
+        </p:txBody>
+      </p:sp>
     </p:spTree>
     <p:extLst>
       <p:ext uri="{BB962C8B-B14F-4D97-AF65-F5344CB8AC3E}">
-        <p14:creationId xmlns:p14="http://schemas.microsoft.com/office/powerpoint/2010/main" val="1161279662"/>
+        <p14:creationId xmlns:p14="http://schemas.microsoft.com/office/powerpoint/2010/main" val="3687501308"/>
       </p:ext>
     </p:extLst>
   </p:cSld>
